--- a/JFM/figs/domain_schematics/domain.pptx
+++ b/JFM/figs/domain_schematics/domain.pptx
@@ -244,7 +244,7 @@
           <a:p>
             <a:fld id="{EA69AB3C-1A45-4681-BC17-85E44D931731}" type="datetimeFigureOut">
               <a:rPr lang="en-US" smtClean="0"/>
-              <a:t>11/16/2021</a:t>
+              <a:t>3/13/2022</a:t>
             </a:fld>
             <a:endParaRPr lang="en-US"/>
           </a:p>
@@ -414,7 +414,7 @@
           <a:p>
             <a:fld id="{EA69AB3C-1A45-4681-BC17-85E44D931731}" type="datetimeFigureOut">
               <a:rPr lang="en-US" smtClean="0"/>
-              <a:t>11/16/2021</a:t>
+              <a:t>3/13/2022</a:t>
             </a:fld>
             <a:endParaRPr lang="en-US"/>
           </a:p>
@@ -594,7 +594,7 @@
           <a:p>
             <a:fld id="{EA69AB3C-1A45-4681-BC17-85E44D931731}" type="datetimeFigureOut">
               <a:rPr lang="en-US" smtClean="0"/>
-              <a:t>11/16/2021</a:t>
+              <a:t>3/13/2022</a:t>
             </a:fld>
             <a:endParaRPr lang="en-US"/>
           </a:p>
@@ -764,7 +764,7 @@
           <a:p>
             <a:fld id="{EA69AB3C-1A45-4681-BC17-85E44D931731}" type="datetimeFigureOut">
               <a:rPr lang="en-US" smtClean="0"/>
-              <a:t>11/16/2021</a:t>
+              <a:t>3/13/2022</a:t>
             </a:fld>
             <a:endParaRPr lang="en-US"/>
           </a:p>
@@ -1008,7 +1008,7 @@
           <a:p>
             <a:fld id="{EA69AB3C-1A45-4681-BC17-85E44D931731}" type="datetimeFigureOut">
               <a:rPr lang="en-US" smtClean="0"/>
-              <a:t>11/16/2021</a:t>
+              <a:t>3/13/2022</a:t>
             </a:fld>
             <a:endParaRPr lang="en-US"/>
           </a:p>
@@ -1240,7 +1240,7 @@
           <a:p>
             <a:fld id="{EA69AB3C-1A45-4681-BC17-85E44D931731}" type="datetimeFigureOut">
               <a:rPr lang="en-US" smtClean="0"/>
-              <a:t>11/16/2021</a:t>
+              <a:t>3/13/2022</a:t>
             </a:fld>
             <a:endParaRPr lang="en-US"/>
           </a:p>
@@ -1607,7 +1607,7 @@
           <a:p>
             <a:fld id="{EA69AB3C-1A45-4681-BC17-85E44D931731}" type="datetimeFigureOut">
               <a:rPr lang="en-US" smtClean="0"/>
-              <a:t>11/16/2021</a:t>
+              <a:t>3/13/2022</a:t>
             </a:fld>
             <a:endParaRPr lang="en-US"/>
           </a:p>
@@ -1725,7 +1725,7 @@
           <a:p>
             <a:fld id="{EA69AB3C-1A45-4681-BC17-85E44D931731}" type="datetimeFigureOut">
               <a:rPr lang="en-US" smtClean="0"/>
-              <a:t>11/16/2021</a:t>
+              <a:t>3/13/2022</a:t>
             </a:fld>
             <a:endParaRPr lang="en-US"/>
           </a:p>
@@ -1820,7 +1820,7 @@
           <a:p>
             <a:fld id="{EA69AB3C-1A45-4681-BC17-85E44D931731}" type="datetimeFigureOut">
               <a:rPr lang="en-US" smtClean="0"/>
-              <a:t>11/16/2021</a:t>
+              <a:t>3/13/2022</a:t>
             </a:fld>
             <a:endParaRPr lang="en-US"/>
           </a:p>
@@ -2097,7 +2097,7 @@
           <a:p>
             <a:fld id="{EA69AB3C-1A45-4681-BC17-85E44D931731}" type="datetimeFigureOut">
               <a:rPr lang="en-US" smtClean="0"/>
-              <a:t>11/16/2021</a:t>
+              <a:t>3/13/2022</a:t>
             </a:fld>
             <a:endParaRPr lang="en-US"/>
           </a:p>
@@ -2354,7 +2354,7 @@
           <a:p>
             <a:fld id="{EA69AB3C-1A45-4681-BC17-85E44D931731}" type="datetimeFigureOut">
               <a:rPr lang="en-US" smtClean="0"/>
-              <a:t>11/16/2021</a:t>
+              <a:t>3/13/2022</a:t>
             </a:fld>
             <a:endParaRPr lang="en-US"/>
           </a:p>
@@ -2567,7 +2567,7 @@
           <a:p>
             <a:fld id="{EA69AB3C-1A45-4681-BC17-85E44D931731}" type="datetimeFigureOut">
               <a:rPr lang="en-US" smtClean="0"/>
-              <a:t>11/16/2021</a:t>
+              <a:t>3/13/2022</a:t>
             </a:fld>
             <a:endParaRPr lang="en-US"/>
           </a:p>
@@ -3552,8 +3552,8 @@
         </p:nvSpPr>
         <p:spPr>
           <a:xfrm>
-            <a:off x="1172080" y="3819443"/>
-            <a:ext cx="1595117" cy="923714"/>
+            <a:off x="1172080" y="3583472"/>
+            <a:ext cx="2110834" cy="1200842"/>
           </a:xfrm>
           <a:prstGeom prst="rect">
             <a:avLst/>
@@ -3593,7 +3593,20 @@
                 <a:latin typeface="Verdana" panose="020B0604030504040204" pitchFamily="34" charset="0"/>
                 <a:ea typeface="Verdana" panose="020B0604030504040204" pitchFamily="34" charset="0"/>
               </a:rPr>
-              <a:t>(GNBC)</a:t>
+              <a:t>(Static-dynamic </a:t>
+            </a:r>
+            <a:br>
+              <a:rPr lang="en-US" sz="1801" dirty="0">
+                <a:latin typeface="Verdana" panose="020B0604030504040204" pitchFamily="34" charset="0"/>
+                <a:ea typeface="Verdana" panose="020B0604030504040204" pitchFamily="34" charset="0"/>
+              </a:rPr>
+            </a:br>
+            <a:r>
+              <a:rPr lang="en-US" sz="1801" dirty="0">
+                <a:latin typeface="Verdana" panose="020B0604030504040204" pitchFamily="34" charset="0"/>
+                <a:ea typeface="Verdana" panose="020B0604030504040204" pitchFamily="34" charset="0"/>
+              </a:rPr>
+              <a:t>friction)</a:t>
             </a:r>
           </a:p>
         </p:txBody>
@@ -3870,8 +3883,8 @@
         </p:nvSpPr>
         <p:spPr>
           <a:xfrm>
-            <a:off x="6640783" y="3802096"/>
-            <a:ext cx="1595117" cy="923714"/>
+            <a:off x="6640783" y="3566125"/>
+            <a:ext cx="2110834" cy="1200842"/>
           </a:xfrm>
           <a:prstGeom prst="rect">
             <a:avLst/>
@@ -3911,7 +3924,20 @@
                 <a:latin typeface="Verdana" panose="020B0604030504040204" pitchFamily="34" charset="0"/>
                 <a:ea typeface="Verdana" panose="020B0604030504040204" pitchFamily="34" charset="0"/>
               </a:rPr>
-              <a:t>(GNBC)</a:t>
+              <a:t>(Static-dynamic </a:t>
+            </a:r>
+            <a:br>
+              <a:rPr lang="en-US" sz="1801" dirty="0">
+                <a:latin typeface="Verdana" panose="020B0604030504040204" pitchFamily="34" charset="0"/>
+                <a:ea typeface="Verdana" panose="020B0604030504040204" pitchFamily="34" charset="0"/>
+              </a:rPr>
+            </a:br>
+            <a:r>
+              <a:rPr lang="en-US" sz="1801" dirty="0">
+                <a:latin typeface="Verdana" panose="020B0604030504040204" pitchFamily="34" charset="0"/>
+                <a:ea typeface="Verdana" panose="020B0604030504040204" pitchFamily="34" charset="0"/>
+              </a:rPr>
+              <a:t>friction)</a:t>
             </a:r>
           </a:p>
         </p:txBody>
@@ -3960,7 +3986,7 @@
         </p:nvSpPr>
         <p:spPr>
           <a:xfrm>
-            <a:off x="1837255" y="1058412"/>
+            <a:off x="1560730" y="1058412"/>
             <a:ext cx="5486400" cy="5486400"/>
           </a:xfrm>
           <a:prstGeom prst="rect">
@@ -4017,7 +4043,7 @@
         </p:nvCxnSpPr>
         <p:spPr>
           <a:xfrm flipH="1" flipV="1">
-            <a:off x="4578663" y="1047250"/>
+            <a:off x="4302138" y="1047250"/>
             <a:ext cx="1792" cy="5497562"/>
           </a:xfrm>
           <a:prstGeom prst="line">
@@ -4061,7 +4087,7 @@
         </p:nvCxnSpPr>
         <p:spPr>
           <a:xfrm flipV="1">
-            <a:off x="2057919" y="5754843"/>
+            <a:off x="1781394" y="5754843"/>
             <a:ext cx="0" cy="572553"/>
           </a:xfrm>
           <a:prstGeom prst="straightConnector1">
@@ -4103,7 +4129,7 @@
         </p:nvCxnSpPr>
         <p:spPr>
           <a:xfrm flipV="1">
-            <a:off x="2050912" y="6327426"/>
+            <a:off x="1774387" y="6327426"/>
             <a:ext cx="542219" cy="1"/>
           </a:xfrm>
           <a:prstGeom prst="straightConnector1">
@@ -4143,7 +4169,7 @@
         </p:nvSpPr>
         <p:spPr>
           <a:xfrm>
-            <a:off x="2511737" y="5996544"/>
+            <a:off x="2235212" y="5996544"/>
             <a:ext cx="320922" cy="369460"/>
           </a:xfrm>
           <a:prstGeom prst="rect">
@@ -4181,7 +4207,7 @@
         </p:nvSpPr>
         <p:spPr>
           <a:xfrm>
-            <a:off x="2086181" y="5535362"/>
+            <a:off x="1809656" y="5535362"/>
             <a:ext cx="320922" cy="369460"/>
           </a:xfrm>
           <a:prstGeom prst="rect">
@@ -4219,7 +4245,7 @@
         </p:nvSpPr>
         <p:spPr>
           <a:xfrm>
-            <a:off x="4266736" y="3349800"/>
+            <a:off x="3990211" y="3349800"/>
             <a:ext cx="623889" cy="369460"/>
           </a:xfrm>
           <a:prstGeom prst="rect">
@@ -4260,7 +4286,7 @@
         </p:nvSpPr>
         <p:spPr>
           <a:xfrm>
-            <a:off x="3318731" y="5598261"/>
+            <a:off x="3042206" y="5598261"/>
             <a:ext cx="1294713" cy="646587"/>
           </a:xfrm>
           <a:prstGeom prst="rect">
@@ -4313,7 +4339,7 @@
         </p:nvCxnSpPr>
         <p:spPr>
           <a:xfrm flipH="1">
-            <a:off x="3532524" y="6236586"/>
+            <a:off x="3255999" y="6236586"/>
             <a:ext cx="268147" cy="307211"/>
           </a:xfrm>
           <a:prstGeom prst="line">
@@ -4354,7 +4380,7 @@
         </p:nvSpPr>
         <p:spPr>
           <a:xfrm>
-            <a:off x="3318731" y="104898"/>
+            <a:off x="3042206" y="104898"/>
             <a:ext cx="1294713" cy="646587"/>
           </a:xfrm>
           <a:prstGeom prst="rect">
@@ -4407,7 +4433,7 @@
         </p:nvCxnSpPr>
         <p:spPr>
           <a:xfrm flipH="1">
-            <a:off x="3532524" y="740063"/>
+            <a:off x="3255999" y="740063"/>
             <a:ext cx="268147" cy="307211"/>
           </a:xfrm>
           <a:prstGeom prst="line">
@@ -4448,7 +4474,7 @@
         </p:nvSpPr>
         <p:spPr>
           <a:xfrm>
-            <a:off x="1150017" y="1463822"/>
+            <a:off x="873492" y="1463822"/>
             <a:ext cx="1371600" cy="1371600"/>
           </a:xfrm>
           <a:prstGeom prst="pie">
@@ -4507,7 +4533,7 @@
         </p:nvSpPr>
         <p:spPr>
           <a:xfrm rot="16200000">
-            <a:off x="1699133" y="1960521"/>
+            <a:off x="1422608" y="1960521"/>
             <a:ext cx="875560" cy="369460"/>
           </a:xfrm>
           <a:prstGeom prst="rect">
@@ -4552,8 +4578,8 @@
         </p:nvSpPr>
         <p:spPr>
           <a:xfrm>
-            <a:off x="1894586" y="4079817"/>
-            <a:ext cx="1595117" cy="923714"/>
+            <a:off x="1618061" y="3762733"/>
+            <a:ext cx="2110834" cy="1200842"/>
           </a:xfrm>
           <a:prstGeom prst="rect">
             <a:avLst/>
@@ -4593,7 +4619,20 @@
                 <a:latin typeface="Verdana" panose="020B0604030504040204" pitchFamily="34" charset="0"/>
                 <a:ea typeface="Verdana" panose="020B0604030504040204" pitchFamily="34" charset="0"/>
               </a:rPr>
-              <a:t>(GNBC)</a:t>
+              <a:t>(Static-dynamic </a:t>
+            </a:r>
+            <a:br>
+              <a:rPr lang="en-US" sz="1801" dirty="0">
+                <a:latin typeface="Verdana" panose="020B0604030504040204" pitchFamily="34" charset="0"/>
+                <a:ea typeface="Verdana" panose="020B0604030504040204" pitchFamily="34" charset="0"/>
+              </a:rPr>
+            </a:br>
+            <a:r>
+              <a:rPr lang="en-US" sz="1801" dirty="0">
+                <a:latin typeface="Verdana" panose="020B0604030504040204" pitchFamily="34" charset="0"/>
+                <a:ea typeface="Verdana" panose="020B0604030504040204" pitchFamily="34" charset="0"/>
+              </a:rPr>
+              <a:t>friction)</a:t>
             </a:r>
           </a:p>
         </p:txBody>
@@ -4614,7 +4653,7 @@
         </p:nvCxnSpPr>
         <p:spPr>
           <a:xfrm flipH="1">
-            <a:off x="1843858" y="5006741"/>
+            <a:off x="1567333" y="5006741"/>
             <a:ext cx="268147" cy="307211"/>
           </a:xfrm>
           <a:prstGeom prst="line">
@@ -4657,7 +4696,7 @@
         </p:nvCxnSpPr>
         <p:spPr>
           <a:xfrm flipH="1">
-            <a:off x="7308652" y="5006741"/>
+            <a:off x="7032127" y="5006741"/>
             <a:ext cx="268147" cy="307211"/>
           </a:xfrm>
           <a:prstGeom prst="line">
@@ -4698,7 +4737,7 @@
         </p:nvSpPr>
         <p:spPr>
           <a:xfrm>
-            <a:off x="4601705" y="4631804"/>
+            <a:off x="4325180" y="4631804"/>
             <a:ext cx="1595117" cy="369460"/>
           </a:xfrm>
           <a:prstGeom prst="rect">
@@ -4738,7 +4777,7 @@
         </p:nvCxnSpPr>
         <p:spPr>
           <a:xfrm flipH="1">
-            <a:off x="4572028" y="5006741"/>
+            <a:off x="4295503" y="5006741"/>
             <a:ext cx="268147" cy="307211"/>
           </a:xfrm>
           <a:prstGeom prst="line">
@@ -4779,7 +4818,7 @@
         </p:nvSpPr>
         <p:spPr>
           <a:xfrm>
-            <a:off x="4987544" y="3079261"/>
+            <a:off x="4711019" y="3079261"/>
             <a:ext cx="1996829" cy="1477969"/>
           </a:xfrm>
           <a:prstGeom prst="rect">
@@ -4852,44 +4891,6 @@
                 <a:ea typeface="Verdana" panose="020B0604030504040204" pitchFamily="34" charset="0"/>
               </a:rPr>
               <a:t>other half. </a:t>
-            </a:r>
-          </a:p>
-        </p:txBody>
-      </p:sp>
-      <p:sp>
-        <p:nvSpPr>
-          <p:cNvPr id="22" name="TextBox 21">
-            <a:extLst>
-              <a:ext uri="{FF2B5EF4-FFF2-40B4-BE49-F238E27FC236}">
-                <a16:creationId xmlns:a16="http://schemas.microsoft.com/office/drawing/2014/main" id="{4DE2522B-5509-47F7-9864-651401081294}"/>
-              </a:ext>
-            </a:extLst>
-          </p:cNvPr>
-          <p:cNvSpPr txBox="1"/>
-          <p:nvPr/>
-        </p:nvSpPr>
-        <p:spPr>
-          <a:xfrm>
-            <a:off x="7374383" y="4631804"/>
-            <a:ext cx="1086323" cy="369460"/>
-          </a:xfrm>
-          <a:prstGeom prst="rect">
-            <a:avLst/>
-          </a:prstGeom>
-          <a:noFill/>
-        </p:spPr>
-        <p:txBody>
-          <a:bodyPr wrap="none" rtlCol="0">
-            <a:spAutoFit/>
-          </a:bodyPr>
-          <a:lstStyle/>
-          <a:p>
-            <a:r>
-              <a:rPr lang="en-US" sz="1801" dirty="0">
-                <a:latin typeface="Verdana" panose="020B0604030504040204" pitchFamily="34" charset="0"/>
-                <a:ea typeface="Verdana" panose="020B0604030504040204" pitchFamily="34" charset="0"/>
-              </a:rPr>
-              <a:t>Periodic</a:t>
             </a:r>
           </a:p>
         </p:txBody>
@@ -4910,7 +4911,7 @@
         </p:nvCxnSpPr>
         <p:spPr>
           <a:xfrm>
-            <a:off x="709002" y="1058414"/>
+            <a:off x="432477" y="1058414"/>
             <a:ext cx="0" cy="5485354"/>
           </a:xfrm>
           <a:prstGeom prst="straightConnector1">
@@ -4952,7 +4953,7 @@
         </p:nvCxnSpPr>
         <p:spPr>
           <a:xfrm flipH="1">
-            <a:off x="554185" y="1058412"/>
+            <a:off x="277660" y="1058412"/>
             <a:ext cx="1182647" cy="0"/>
           </a:xfrm>
           <a:prstGeom prst="line">
@@ -4995,7 +4996,7 @@
         </p:nvCxnSpPr>
         <p:spPr>
           <a:xfrm flipH="1">
-            <a:off x="581893" y="6543766"/>
+            <a:off x="305368" y="6543766"/>
             <a:ext cx="1151764" cy="0"/>
           </a:xfrm>
           <a:prstGeom prst="line">
@@ -5036,7 +5037,7 @@
         </p:nvSpPr>
         <p:spPr>
           <a:xfrm>
-            <a:off x="352895" y="3611365"/>
+            <a:off x="76370" y="3611365"/>
             <a:ext cx="728084" cy="369460"/>
           </a:xfrm>
           <a:prstGeom prst="rect">
@@ -5086,7 +5087,7 @@
         </p:nvCxnSpPr>
         <p:spPr>
           <a:xfrm flipV="1">
-            <a:off x="1293220" y="1058412"/>
+            <a:off x="1016695" y="1058412"/>
             <a:ext cx="0" cy="1077950"/>
           </a:xfrm>
           <a:prstGeom prst="straightConnector1">
@@ -5128,7 +5129,7 @@
         </p:nvCxnSpPr>
         <p:spPr>
           <a:xfrm flipH="1">
-            <a:off x="1099359" y="2122851"/>
+            <a:off x="822834" y="2122851"/>
             <a:ext cx="634298" cy="0"/>
           </a:xfrm>
           <a:prstGeom prst="line">
@@ -5169,7 +5170,7 @@
         </p:nvSpPr>
         <p:spPr>
           <a:xfrm>
-            <a:off x="803954" y="1450312"/>
+            <a:off x="527429" y="1450312"/>
             <a:ext cx="974947" cy="369460"/>
           </a:xfrm>
           <a:prstGeom prst="rect">
@@ -5219,7 +5220,7 @@
         </p:nvCxnSpPr>
         <p:spPr>
           <a:xfrm flipV="1">
-            <a:off x="3127405" y="1450596"/>
+            <a:off x="2850880" y="1450596"/>
             <a:ext cx="0" cy="1384859"/>
           </a:xfrm>
           <a:prstGeom prst="straightConnector1">
@@ -5261,7 +5262,7 @@
         </p:nvCxnSpPr>
         <p:spPr>
           <a:xfrm flipH="1">
-            <a:off x="1822074" y="2835422"/>
+            <a:off x="1545549" y="2835422"/>
             <a:ext cx="1443641" cy="0"/>
           </a:xfrm>
           <a:prstGeom prst="line">
@@ -5302,7 +5303,7 @@
         </p:nvSpPr>
         <p:spPr>
           <a:xfrm>
-            <a:off x="2633904" y="1921400"/>
+            <a:off x="2357379" y="1921400"/>
             <a:ext cx="974947" cy="369460"/>
           </a:xfrm>
           <a:prstGeom prst="rect">
@@ -5352,7 +5353,7 @@
         </p:nvCxnSpPr>
         <p:spPr>
           <a:xfrm flipH="1">
-            <a:off x="1843840" y="1450563"/>
+            <a:off x="1567315" y="1450563"/>
             <a:ext cx="1421874" cy="0"/>
           </a:xfrm>
           <a:prstGeom prst="line">
@@ -5395,7 +5396,7 @@
         </p:nvCxnSpPr>
         <p:spPr>
           <a:xfrm flipH="1">
-            <a:off x="1837271" y="6658942"/>
+            <a:off x="1560746" y="6658942"/>
             <a:ext cx="1" cy="340858"/>
           </a:xfrm>
           <a:prstGeom prst="line">
@@ -5438,7 +5439,7 @@
         </p:nvCxnSpPr>
         <p:spPr>
           <a:xfrm flipH="1">
-            <a:off x="4572036" y="6654907"/>
+            <a:off x="4295511" y="6654907"/>
             <a:ext cx="1" cy="344892"/>
           </a:xfrm>
           <a:prstGeom prst="line">
@@ -5481,7 +5482,7 @@
         </p:nvCxnSpPr>
         <p:spPr>
           <a:xfrm flipH="1">
-            <a:off x="1837270" y="6861173"/>
+            <a:off x="1560745" y="6861173"/>
             <a:ext cx="2741409" cy="0"/>
           </a:xfrm>
           <a:prstGeom prst="straightConnector1">
@@ -5521,7 +5522,7 @@
         </p:nvSpPr>
         <p:spPr>
           <a:xfrm>
-            <a:off x="2846112" y="6666872"/>
+            <a:off x="2569587" y="6666872"/>
             <a:ext cx="728084" cy="369460"/>
           </a:xfrm>
           <a:prstGeom prst="rect">
@@ -5569,7 +5570,7 @@
         </p:nvSpPr>
         <p:spPr>
           <a:xfrm rot="10800000">
-            <a:off x="6639079" y="1463822"/>
+            <a:off x="6362554" y="1463822"/>
             <a:ext cx="1371600" cy="1371600"/>
           </a:xfrm>
           <a:prstGeom prst="pie">
@@ -5611,6 +5612,79 @@
           <a:p>
             <a:pPr algn="ctr"/>
             <a:endParaRPr lang="en-US" sz="1350"/>
+          </a:p>
+        </p:txBody>
+      </p:sp>
+      <p:sp>
+        <p:nvSpPr>
+          <p:cNvPr id="52" name="TextBox 51">
+            <a:extLst>
+              <a:ext uri="{FF2B5EF4-FFF2-40B4-BE49-F238E27FC236}">
+                <a16:creationId xmlns:a16="http://schemas.microsoft.com/office/drawing/2014/main" id="{D3C8431A-B953-4E54-B047-4486B3608702}"/>
+              </a:ext>
+            </a:extLst>
+          </p:cNvPr>
+          <p:cNvSpPr txBox="1"/>
+          <p:nvPr/>
+        </p:nvSpPr>
+        <p:spPr>
+          <a:xfrm>
+            <a:off x="7069178" y="3800422"/>
+            <a:ext cx="2110834" cy="1200842"/>
+          </a:xfrm>
+          <a:prstGeom prst="rect">
+            <a:avLst/>
+          </a:prstGeom>
+          <a:noFill/>
+        </p:spPr>
+        <p:txBody>
+          <a:bodyPr wrap="none" rtlCol="0">
+            <a:spAutoFit/>
+          </a:bodyPr>
+          <a:lstStyle/>
+          <a:p>
+            <a:r>
+              <a:rPr lang="en-US" sz="1801" dirty="0">
+                <a:latin typeface="Verdana" panose="020B0604030504040204" pitchFamily="34" charset="0"/>
+                <a:ea typeface="Verdana" panose="020B0604030504040204" pitchFamily="34" charset="0"/>
+              </a:rPr>
+              <a:t>Periodic</a:t>
+            </a:r>
+          </a:p>
+          <a:p>
+            <a:r>
+              <a:rPr lang="en-US" sz="1801" dirty="0">
+                <a:latin typeface="Verdana" panose="020B0604030504040204" pitchFamily="34" charset="0"/>
+                <a:ea typeface="Verdana" panose="020B0604030504040204" pitchFamily="34" charset="0"/>
+              </a:rPr>
+              <a:t>(Symmetry)</a:t>
+            </a:r>
+            <a:br>
+              <a:rPr lang="en-US" sz="1801" dirty="0">
+                <a:latin typeface="Verdana" panose="020B0604030504040204" pitchFamily="34" charset="0"/>
+                <a:ea typeface="Verdana" panose="020B0604030504040204" pitchFamily="34" charset="0"/>
+              </a:rPr>
+            </a:br>
+            <a:r>
+              <a:rPr lang="en-US" sz="1801" dirty="0">
+                <a:latin typeface="Verdana" panose="020B0604030504040204" pitchFamily="34" charset="0"/>
+                <a:ea typeface="Verdana" panose="020B0604030504040204" pitchFamily="34" charset="0"/>
+              </a:rPr>
+              <a:t>(Static-dynamic </a:t>
+            </a:r>
+            <a:br>
+              <a:rPr lang="en-US" sz="1801" dirty="0">
+                <a:latin typeface="Verdana" panose="020B0604030504040204" pitchFamily="34" charset="0"/>
+                <a:ea typeface="Verdana" panose="020B0604030504040204" pitchFamily="34" charset="0"/>
+              </a:rPr>
+            </a:br>
+            <a:r>
+              <a:rPr lang="en-US" sz="1801" dirty="0">
+                <a:latin typeface="Verdana" panose="020B0604030504040204" pitchFamily="34" charset="0"/>
+                <a:ea typeface="Verdana" panose="020B0604030504040204" pitchFamily="34" charset="0"/>
+              </a:rPr>
+              <a:t>friction)</a:t>
+            </a:r>
           </a:p>
         </p:txBody>
       </p:sp>

--- a/JFM/figs/domain_schematics/domain.pptx
+++ b/JFM/figs/domain_schematics/domain.pptx
@@ -244,7 +244,7 @@
           <a:p>
             <a:fld id="{EA69AB3C-1A45-4681-BC17-85E44D931731}" type="datetimeFigureOut">
               <a:rPr lang="en-US" smtClean="0"/>
-              <a:t>3/13/2022</a:t>
+              <a:t>3/27/2022</a:t>
             </a:fld>
             <a:endParaRPr lang="en-US"/>
           </a:p>
@@ -414,7 +414,7 @@
           <a:p>
             <a:fld id="{EA69AB3C-1A45-4681-BC17-85E44D931731}" type="datetimeFigureOut">
               <a:rPr lang="en-US" smtClean="0"/>
-              <a:t>3/13/2022</a:t>
+              <a:t>3/27/2022</a:t>
             </a:fld>
             <a:endParaRPr lang="en-US"/>
           </a:p>
@@ -594,7 +594,7 @@
           <a:p>
             <a:fld id="{EA69AB3C-1A45-4681-BC17-85E44D931731}" type="datetimeFigureOut">
               <a:rPr lang="en-US" smtClean="0"/>
-              <a:t>3/13/2022</a:t>
+              <a:t>3/27/2022</a:t>
             </a:fld>
             <a:endParaRPr lang="en-US"/>
           </a:p>
@@ -764,7 +764,7 @@
           <a:p>
             <a:fld id="{EA69AB3C-1A45-4681-BC17-85E44D931731}" type="datetimeFigureOut">
               <a:rPr lang="en-US" smtClean="0"/>
-              <a:t>3/13/2022</a:t>
+              <a:t>3/27/2022</a:t>
             </a:fld>
             <a:endParaRPr lang="en-US"/>
           </a:p>
@@ -1008,7 +1008,7 @@
           <a:p>
             <a:fld id="{EA69AB3C-1A45-4681-BC17-85E44D931731}" type="datetimeFigureOut">
               <a:rPr lang="en-US" smtClean="0"/>
-              <a:t>3/13/2022</a:t>
+              <a:t>3/27/2022</a:t>
             </a:fld>
             <a:endParaRPr lang="en-US"/>
           </a:p>
@@ -1240,7 +1240,7 @@
           <a:p>
             <a:fld id="{EA69AB3C-1A45-4681-BC17-85E44D931731}" type="datetimeFigureOut">
               <a:rPr lang="en-US" smtClean="0"/>
-              <a:t>3/13/2022</a:t>
+              <a:t>3/27/2022</a:t>
             </a:fld>
             <a:endParaRPr lang="en-US"/>
           </a:p>
@@ -1607,7 +1607,7 @@
           <a:p>
             <a:fld id="{EA69AB3C-1A45-4681-BC17-85E44D931731}" type="datetimeFigureOut">
               <a:rPr lang="en-US" smtClean="0"/>
-              <a:t>3/13/2022</a:t>
+              <a:t>3/27/2022</a:t>
             </a:fld>
             <a:endParaRPr lang="en-US"/>
           </a:p>
@@ -1725,7 +1725,7 @@
           <a:p>
             <a:fld id="{EA69AB3C-1A45-4681-BC17-85E44D931731}" type="datetimeFigureOut">
               <a:rPr lang="en-US" smtClean="0"/>
-              <a:t>3/13/2022</a:t>
+              <a:t>3/27/2022</a:t>
             </a:fld>
             <a:endParaRPr lang="en-US"/>
           </a:p>
@@ -1820,7 +1820,7 @@
           <a:p>
             <a:fld id="{EA69AB3C-1A45-4681-BC17-85E44D931731}" type="datetimeFigureOut">
               <a:rPr lang="en-US" smtClean="0"/>
-              <a:t>3/13/2022</a:t>
+              <a:t>3/27/2022</a:t>
             </a:fld>
             <a:endParaRPr lang="en-US"/>
           </a:p>
@@ -2097,7 +2097,7 @@
           <a:p>
             <a:fld id="{EA69AB3C-1A45-4681-BC17-85E44D931731}" type="datetimeFigureOut">
               <a:rPr lang="en-US" smtClean="0"/>
-              <a:t>3/13/2022</a:t>
+              <a:t>3/27/2022</a:t>
             </a:fld>
             <a:endParaRPr lang="en-US"/>
           </a:p>
@@ -2354,7 +2354,7 @@
           <a:p>
             <a:fld id="{EA69AB3C-1A45-4681-BC17-85E44D931731}" type="datetimeFigureOut">
               <a:rPr lang="en-US" smtClean="0"/>
-              <a:t>3/13/2022</a:t>
+              <a:t>3/27/2022</a:t>
             </a:fld>
             <a:endParaRPr lang="en-US"/>
           </a:p>
@@ -2567,7 +2567,7 @@
           <a:p>
             <a:fld id="{EA69AB3C-1A45-4681-BC17-85E44D931731}" type="datetimeFigureOut">
               <a:rPr lang="en-US" smtClean="0"/>
-              <a:t>3/13/2022</a:t>
+              <a:t>3/27/2022</a:t>
             </a:fld>
             <a:endParaRPr lang="en-US"/>
           </a:p>
@@ -3883,8 +3883,8 @@
         </p:nvSpPr>
         <p:spPr>
           <a:xfrm>
-            <a:off x="6640783" y="3566125"/>
-            <a:ext cx="2110834" cy="1200842"/>
+            <a:off x="6640783" y="4409377"/>
+            <a:ext cx="1086323" cy="369460"/>
           </a:xfrm>
           <a:prstGeom prst="rect">
             <a:avLst/>
@@ -3903,41 +3903,6 @@
                 <a:ea typeface="Verdana" panose="020B0604030504040204" pitchFamily="34" charset="0"/>
               </a:rPr>
               <a:t>Periodic</a:t>
-            </a:r>
-          </a:p>
-          <a:p>
-            <a:r>
-              <a:rPr lang="en-US" sz="1801" dirty="0">
-                <a:latin typeface="Verdana" panose="020B0604030504040204" pitchFamily="34" charset="0"/>
-                <a:ea typeface="Verdana" panose="020B0604030504040204" pitchFamily="34" charset="0"/>
-              </a:rPr>
-              <a:t>(Symmetry)</a:t>
-            </a:r>
-            <a:br>
-              <a:rPr lang="en-US" sz="1801" dirty="0">
-                <a:latin typeface="Verdana" panose="020B0604030504040204" pitchFamily="34" charset="0"/>
-                <a:ea typeface="Verdana" panose="020B0604030504040204" pitchFamily="34" charset="0"/>
-              </a:rPr>
-            </a:br>
-            <a:r>
-              <a:rPr lang="en-US" sz="1801" dirty="0">
-                <a:latin typeface="Verdana" panose="020B0604030504040204" pitchFamily="34" charset="0"/>
-                <a:ea typeface="Verdana" panose="020B0604030504040204" pitchFamily="34" charset="0"/>
-              </a:rPr>
-              <a:t>(Static-dynamic </a:t>
-            </a:r>
-            <a:br>
-              <a:rPr lang="en-US" sz="1801" dirty="0">
-                <a:latin typeface="Verdana" panose="020B0604030504040204" pitchFamily="34" charset="0"/>
-                <a:ea typeface="Verdana" panose="020B0604030504040204" pitchFamily="34" charset="0"/>
-              </a:rPr>
-            </a:br>
-            <a:r>
-              <a:rPr lang="en-US" sz="1801" dirty="0">
-                <a:latin typeface="Verdana" panose="020B0604030504040204" pitchFamily="34" charset="0"/>
-                <a:ea typeface="Verdana" panose="020B0604030504040204" pitchFamily="34" charset="0"/>
-              </a:rPr>
-              <a:t>friction)</a:t>
             </a:r>
           </a:p>
         </p:txBody>
@@ -5629,8 +5594,8 @@
         </p:nvSpPr>
         <p:spPr>
           <a:xfrm>
-            <a:off x="7069178" y="3800422"/>
-            <a:ext cx="2110834" cy="1200842"/>
+            <a:off x="7069178" y="4648450"/>
+            <a:ext cx="1086323" cy="369460"/>
           </a:xfrm>
           <a:prstGeom prst="rect">
             <a:avLst/>
@@ -5649,41 +5614,6 @@
                 <a:ea typeface="Verdana" panose="020B0604030504040204" pitchFamily="34" charset="0"/>
               </a:rPr>
               <a:t>Periodic</a:t>
-            </a:r>
-          </a:p>
-          <a:p>
-            <a:r>
-              <a:rPr lang="en-US" sz="1801" dirty="0">
-                <a:latin typeface="Verdana" panose="020B0604030504040204" pitchFamily="34" charset="0"/>
-                <a:ea typeface="Verdana" panose="020B0604030504040204" pitchFamily="34" charset="0"/>
-              </a:rPr>
-              <a:t>(Symmetry)</a:t>
-            </a:r>
-            <a:br>
-              <a:rPr lang="en-US" sz="1801" dirty="0">
-                <a:latin typeface="Verdana" panose="020B0604030504040204" pitchFamily="34" charset="0"/>
-                <a:ea typeface="Verdana" panose="020B0604030504040204" pitchFamily="34" charset="0"/>
-              </a:rPr>
-            </a:br>
-            <a:r>
-              <a:rPr lang="en-US" sz="1801" dirty="0">
-                <a:latin typeface="Verdana" panose="020B0604030504040204" pitchFamily="34" charset="0"/>
-                <a:ea typeface="Verdana" panose="020B0604030504040204" pitchFamily="34" charset="0"/>
-              </a:rPr>
-              <a:t>(Static-dynamic </a:t>
-            </a:r>
-            <a:br>
-              <a:rPr lang="en-US" sz="1801" dirty="0">
-                <a:latin typeface="Verdana" panose="020B0604030504040204" pitchFamily="34" charset="0"/>
-                <a:ea typeface="Verdana" panose="020B0604030504040204" pitchFamily="34" charset="0"/>
-              </a:rPr>
-            </a:br>
-            <a:r>
-              <a:rPr lang="en-US" sz="1801" dirty="0">
-                <a:latin typeface="Verdana" panose="020B0604030504040204" pitchFamily="34" charset="0"/>
-                <a:ea typeface="Verdana" panose="020B0604030504040204" pitchFamily="34" charset="0"/>
-              </a:rPr>
-              <a:t>friction)</a:t>
             </a:r>
           </a:p>
         </p:txBody>
